--- a/assets/presentations/1.2.pptx
+++ b/assets/presentations/1.2.pptx
@@ -214,7 +214,7 @@
           <a:p>
             <a:fld id="{DC4BFA2C-A925-534A-A951-992C26D00592}" type="datetimeFigureOut">
               <a:rPr lang="en-US" smtClean="0"/>
-              <a:t>9/22/22</a:t>
+              <a:t>9/23/22</a:t>
             </a:fld>
             <a:endParaRPr lang="en-US"/>
           </a:p>
@@ -1051,7 +1051,7 @@
           <a:p>
             <a:fld id="{773CCBAF-CBCE-7544-871F-E86786C6C450}" type="datetimeFigureOut">
               <a:rPr lang="en-US" smtClean="0"/>
-              <a:t>9/22/22</a:t>
+              <a:t>9/23/22</a:t>
             </a:fld>
             <a:endParaRPr lang="en-US"/>
           </a:p>
@@ -1249,7 +1249,7 @@
           <a:p>
             <a:fld id="{773CCBAF-CBCE-7544-871F-E86786C6C450}" type="datetimeFigureOut">
               <a:rPr lang="en-US" smtClean="0"/>
-              <a:t>9/22/22</a:t>
+              <a:t>9/23/22</a:t>
             </a:fld>
             <a:endParaRPr lang="en-US"/>
           </a:p>
@@ -1457,7 +1457,7 @@
           <a:p>
             <a:fld id="{773CCBAF-CBCE-7544-871F-E86786C6C450}" type="datetimeFigureOut">
               <a:rPr lang="en-US" smtClean="0"/>
-              <a:t>9/22/22</a:t>
+              <a:t>9/23/22</a:t>
             </a:fld>
             <a:endParaRPr lang="en-US"/>
           </a:p>
@@ -1655,7 +1655,7 @@
           <a:p>
             <a:fld id="{773CCBAF-CBCE-7544-871F-E86786C6C450}" type="datetimeFigureOut">
               <a:rPr lang="en-US" smtClean="0"/>
-              <a:t>9/22/22</a:t>
+              <a:t>9/23/22</a:t>
             </a:fld>
             <a:endParaRPr lang="en-US"/>
           </a:p>
@@ -1930,7 +1930,7 @@
           <a:p>
             <a:fld id="{773CCBAF-CBCE-7544-871F-E86786C6C450}" type="datetimeFigureOut">
               <a:rPr lang="en-US" smtClean="0"/>
-              <a:t>9/22/22</a:t>
+              <a:t>9/23/22</a:t>
             </a:fld>
             <a:endParaRPr lang="en-US"/>
           </a:p>
@@ -2195,7 +2195,7 @@
           <a:p>
             <a:fld id="{773CCBAF-CBCE-7544-871F-E86786C6C450}" type="datetimeFigureOut">
               <a:rPr lang="en-US" smtClean="0"/>
-              <a:t>9/22/22</a:t>
+              <a:t>9/23/22</a:t>
             </a:fld>
             <a:endParaRPr lang="en-US"/>
           </a:p>
@@ -2607,7 +2607,7 @@
           <a:p>
             <a:fld id="{773CCBAF-CBCE-7544-871F-E86786C6C450}" type="datetimeFigureOut">
               <a:rPr lang="en-US" smtClean="0"/>
-              <a:t>9/22/22</a:t>
+              <a:t>9/23/22</a:t>
             </a:fld>
             <a:endParaRPr lang="en-US"/>
           </a:p>
@@ -2748,7 +2748,7 @@
           <a:p>
             <a:fld id="{773CCBAF-CBCE-7544-871F-E86786C6C450}" type="datetimeFigureOut">
               <a:rPr lang="en-US" smtClean="0"/>
-              <a:t>9/22/22</a:t>
+              <a:t>9/23/22</a:t>
             </a:fld>
             <a:endParaRPr lang="en-US"/>
           </a:p>
@@ -2861,7 +2861,7 @@
           <a:p>
             <a:fld id="{773CCBAF-CBCE-7544-871F-E86786C6C450}" type="datetimeFigureOut">
               <a:rPr lang="en-US" smtClean="0"/>
-              <a:t>9/22/22</a:t>
+              <a:t>9/23/22</a:t>
             </a:fld>
             <a:endParaRPr lang="en-US"/>
           </a:p>
@@ -3172,7 +3172,7 @@
           <a:p>
             <a:fld id="{773CCBAF-CBCE-7544-871F-E86786C6C450}" type="datetimeFigureOut">
               <a:rPr lang="en-US" smtClean="0"/>
-              <a:t>9/22/22</a:t>
+              <a:t>9/23/22</a:t>
             </a:fld>
             <a:endParaRPr lang="en-US"/>
           </a:p>
@@ -3460,7 +3460,7 @@
           <a:p>
             <a:fld id="{773CCBAF-CBCE-7544-871F-E86786C6C450}" type="datetimeFigureOut">
               <a:rPr lang="en-US" smtClean="0"/>
-              <a:t>9/22/22</a:t>
+              <a:t>9/23/22</a:t>
             </a:fld>
             <a:endParaRPr lang="en-US"/>
           </a:p>
@@ -3701,7 +3701,7 @@
           <a:p>
             <a:fld id="{773CCBAF-CBCE-7544-871F-E86786C6C450}" type="datetimeFigureOut">
               <a:rPr lang="en-US" smtClean="0"/>
-              <a:t>9/22/22</a:t>
+              <a:t>9/23/22</a:t>
             </a:fld>
             <a:endParaRPr lang="en-US"/>
           </a:p>
@@ -4822,10 +4822,10 @@
       </p:pic>
       <p:pic>
         <p:nvPicPr>
-          <p:cNvPr id="8" name="Picture 7" descr="Text&#10;&#10;Description automatically generated">
-            <a:extLst>
-              <a:ext uri="{FF2B5EF4-FFF2-40B4-BE49-F238E27FC236}">
-                <a16:creationId xmlns:a16="http://schemas.microsoft.com/office/drawing/2014/main" id="{3EED1A56-45F9-9F31-0559-7A603578793C}"/>
+          <p:cNvPr id="5" name="Picture 4" descr="Text&#10;&#10;Description automatically generated">
+            <a:extLst>
+              <a:ext uri="{FF2B5EF4-FFF2-40B4-BE49-F238E27FC236}">
+                <a16:creationId xmlns:a16="http://schemas.microsoft.com/office/drawing/2014/main" id="{DEB492E8-B9B1-81BD-9C86-5AEED48FC0B7}"/>
               </a:ext>
             </a:extLst>
           </p:cNvPr>
@@ -4842,8 +4842,8 @@
         </p:blipFill>
         <p:spPr>
           <a:xfrm>
-            <a:off x="6096000" y="1376363"/>
-            <a:ext cx="4965700" cy="4800600"/>
+            <a:off x="5629237" y="1349279"/>
+            <a:ext cx="5200344" cy="5067343"/>
           </a:xfrm>
           <a:prstGeom prst="rect">
             <a:avLst/>
@@ -5027,6 +5027,20 @@
           </a:p>
           <a:p>
             <a:pPr lvl="1"/>
+            <a:r>
+              <a:rPr lang="en-US" sz="2400" dirty="0"/>
+              <a:t>The fluent-only model is currently trained on a subset of the fluent recordings (6 of the 12 fluent)</a:t>
+            </a:r>
+            <a:endParaRPr lang="en-US" sz="2400" dirty="0">
+              <a:effectLst/>
+            </a:endParaRPr>
+          </a:p>
+          <a:p>
+            <a:pPr lvl="1"/>
+            <a:endParaRPr lang="en-US" dirty="0"/>
+          </a:p>
+          <a:p>
+            <a:pPr lvl="1"/>
             <a:endParaRPr lang="en-US" dirty="0"/>
           </a:p>
         </p:txBody>
@@ -5053,7 +5067,7 @@
         </p:blipFill>
         <p:spPr>
           <a:xfrm>
-            <a:off x="2188933" y="3098686"/>
+            <a:off x="2188933" y="3737664"/>
             <a:ext cx="7539427" cy="1805215"/>
           </a:xfrm>
           <a:prstGeom prst="rect">
@@ -5148,21 +5162,12 @@
           <a:lstStyle/>
           <a:p>
             <a:r>
+              <a:rPr lang="en-US" sz="1800" dirty="0" err="1"/>
+              <a:t>Monophone</a:t>
+            </a:r>
+            <a:r>
               <a:rPr lang="en-US" sz="1800" dirty="0"/>
-              <a:t>The fluent-only model is currently trained on a subset of the fluent recordings (6 </a:t>
-            </a:r>
-            <a:r>
-              <a:rPr lang="en-US" sz="1800"/>
-              <a:t>of the 12 fluent)</a:t>
-            </a:r>
-            <a:endParaRPr lang="en-US" sz="1800" dirty="0">
-              <a:effectLst/>
-            </a:endParaRPr>
-          </a:p>
-          <a:p>
-            <a:r>
-              <a:rPr lang="en-US" sz="1800" dirty="0"/>
-              <a:t>Monophone model best WER = 49.35%</a:t>
+              <a:t> model best WER = 49.35%</a:t>
             </a:r>
             <a:endParaRPr lang="en-US" sz="1800" dirty="0">
               <a:effectLst/>
